--- a/notes/05-pointer_array.pptx
+++ b/notes/05-pointer_array.pptx
@@ -244,7 +244,7 @@
           <a:p>
             <a:fld id="{C9615FF3-9FA2-1C4A-AAEA-4750F890D655}" type="datetimeFigureOut">
               <a:rPr lang="en-US" smtClean="0"/>
-              <a:t>9/21/21</a:t>
+              <a:t>9/27/21</a:t>
             </a:fld>
             <a:endParaRPr lang="en-US"/>
           </a:p>
@@ -410,7 +410,7 @@
           <a:p>
             <a:fld id="{52180D89-5C43-EF4A-AA48-38E879565468}" type="datetimeFigureOut">
               <a:rPr lang="en-US" smtClean="0"/>
-              <a:t>9/21/21</a:t>
+              <a:t>9/27/21</a:t>
             </a:fld>
             <a:endParaRPr lang="en-US"/>
           </a:p>
@@ -1613,7 +1613,7 @@
           <a:p>
             <a:fld id="{212D147F-079F-4846-994D-0DB4A1A045D4}" type="datetime1">
               <a:rPr lang="zh-CN" altLang="en-US" smtClean="0"/>
-              <a:t>2021/9/21</a:t>
+              <a:t>2021/9/27</a:t>
             </a:fld>
             <a:endParaRPr lang="en-US"/>
           </a:p>
@@ -1777,7 +1777,7 @@
           <a:p>
             <a:fld id="{17491736-879B-FE48-95EC-EDE8A01D99DB}" type="datetime1">
               <a:rPr lang="zh-CN" altLang="en-US" smtClean="0"/>
-              <a:t>2021/9/21</a:t>
+              <a:t>2021/9/27</a:t>
             </a:fld>
             <a:endParaRPr lang="en-US"/>
           </a:p>
@@ -1951,7 +1951,7 @@
           <a:p>
             <a:fld id="{B977160F-44E5-DA43-A440-B77513F80BF6}" type="datetime1">
               <a:rPr lang="zh-CN" altLang="en-US" smtClean="0"/>
-              <a:t>2021/9/21</a:t>
+              <a:t>2021/9/27</a:t>
             </a:fld>
             <a:endParaRPr lang="en-US"/>
           </a:p>
@@ -2123,7 +2123,7 @@
           <a:p>
             <a:fld id="{AE880671-2720-6742-BF3B-130F38BFD6C2}" type="datetime1">
               <a:rPr lang="zh-CN" altLang="en-US" smtClean="0"/>
-              <a:t>2021/9/21</a:t>
+              <a:t>2021/9/27</a:t>
             </a:fld>
             <a:endParaRPr lang="en-US"/>
           </a:p>
@@ -2368,7 +2368,7 @@
           <a:p>
             <a:fld id="{0C2FF912-C460-F747-A5A7-E580342BDBD8}" type="datetime1">
               <a:rPr lang="zh-CN" altLang="en-US" smtClean="0"/>
-              <a:t>2021/9/21</a:t>
+              <a:t>2021/9/27</a:t>
             </a:fld>
             <a:endParaRPr lang="en-US"/>
           </a:p>
@@ -2657,7 +2657,7 @@
           <a:p>
             <a:fld id="{1EEB1225-B413-9941-B6FE-722B9F1A3838}" type="datetime1">
               <a:rPr lang="zh-CN" altLang="en-US" smtClean="0"/>
-              <a:t>2021/9/21</a:t>
+              <a:t>2021/9/27</a:t>
             </a:fld>
             <a:endParaRPr lang="en-US"/>
           </a:p>
@@ -3076,7 +3076,7 @@
           <a:p>
             <a:fld id="{3E24F182-DE75-D141-B72A-8599E29248A5}" type="datetime1">
               <a:rPr lang="zh-CN" altLang="en-US" smtClean="0"/>
-              <a:t>2021/9/21</a:t>
+              <a:t>2021/9/27</a:t>
             </a:fld>
             <a:endParaRPr lang="en-US"/>
           </a:p>
@@ -3197,7 +3197,7 @@
           <a:p>
             <a:fld id="{8E8C2D7A-8A1B-DA48-9B0B-0DEE102746F0}" type="datetime1">
               <a:rPr lang="zh-CN" altLang="en-US" smtClean="0"/>
-              <a:t>2021/9/21</a:t>
+              <a:t>2021/9/27</a:t>
             </a:fld>
             <a:endParaRPr lang="en-US"/>
           </a:p>
@@ -3288,7 +3288,7 @@
           <a:p>
             <a:fld id="{4153C787-59C9-0445-8F38-642A8469076F}" type="datetime1">
               <a:rPr lang="zh-CN" altLang="en-US" smtClean="0"/>
-              <a:t>2021/9/21</a:t>
+              <a:t>2021/9/27</a:t>
             </a:fld>
             <a:endParaRPr lang="en-US"/>
           </a:p>
@@ -3559,7 +3559,7 @@
           <a:p>
             <a:fld id="{44D50209-807A-E542-A52E-D898C2D2B27F}" type="datetime1">
               <a:rPr lang="zh-CN" altLang="en-US" smtClean="0"/>
-              <a:t>2021/9/21</a:t>
+              <a:t>2021/9/27</a:t>
             </a:fld>
             <a:endParaRPr lang="en-US"/>
           </a:p>
@@ -3810,7 +3810,7 @@
           <a:p>
             <a:fld id="{4EC27158-6770-8C48-8082-76913598A291}" type="datetime1">
               <a:rPr lang="zh-CN" altLang="en-US" smtClean="0"/>
-              <a:t>2021/9/21</a:t>
+              <a:t>2021/9/27</a:t>
             </a:fld>
             <a:endParaRPr lang="en-US"/>
           </a:p>
@@ -4019,7 +4019,7 @@
           <a:p>
             <a:fld id="{6619FEBD-E571-1443-AA22-BB9E67C15179}" type="datetime1">
               <a:rPr lang="zh-CN" altLang="en-US" smtClean="0"/>
-              <a:t>2021/9/21</a:t>
+              <a:t>2021/9/27</a:t>
             </a:fld>
             <a:endParaRPr lang="en-US"/>
           </a:p>
